--- a/iguana-tex-equations/IguanaTex.pptx
+++ b/iguana-tex-equations/IguanaTex.pptx
@@ -248,7 +248,7 @@
           <a:p>
             <a:fld id="{FC8F30E8-AD3E-4545-A998-9EA3FC67FD6E}" type="datetimeFigureOut">
               <a:rPr lang="en-US" smtClean="0"/>
-              <a:t>4/26/2016</a:t>
+              <a:t>4/28/2016</a:t>
             </a:fld>
             <a:endParaRPr lang="en-US"/>
           </a:p>
@@ -418,7 +418,7 @@
           <a:p>
             <a:fld id="{FC8F30E8-AD3E-4545-A998-9EA3FC67FD6E}" type="datetimeFigureOut">
               <a:rPr lang="en-US" smtClean="0"/>
-              <a:t>4/26/2016</a:t>
+              <a:t>4/28/2016</a:t>
             </a:fld>
             <a:endParaRPr lang="en-US"/>
           </a:p>
@@ -598,7 +598,7 @@
           <a:p>
             <a:fld id="{FC8F30E8-AD3E-4545-A998-9EA3FC67FD6E}" type="datetimeFigureOut">
               <a:rPr lang="en-US" smtClean="0"/>
-              <a:t>4/26/2016</a:t>
+              <a:t>4/28/2016</a:t>
             </a:fld>
             <a:endParaRPr lang="en-US"/>
           </a:p>
@@ -768,7 +768,7 @@
           <a:p>
             <a:fld id="{FC8F30E8-AD3E-4545-A998-9EA3FC67FD6E}" type="datetimeFigureOut">
               <a:rPr lang="en-US" smtClean="0"/>
-              <a:t>4/26/2016</a:t>
+              <a:t>4/28/2016</a:t>
             </a:fld>
             <a:endParaRPr lang="en-US"/>
           </a:p>
@@ -1014,7 +1014,7 @@
           <a:p>
             <a:fld id="{FC8F30E8-AD3E-4545-A998-9EA3FC67FD6E}" type="datetimeFigureOut">
               <a:rPr lang="en-US" smtClean="0"/>
-              <a:t>4/26/2016</a:t>
+              <a:t>4/28/2016</a:t>
             </a:fld>
             <a:endParaRPr lang="en-US"/>
           </a:p>
@@ -1246,7 +1246,7 @@
           <a:p>
             <a:fld id="{FC8F30E8-AD3E-4545-A998-9EA3FC67FD6E}" type="datetimeFigureOut">
               <a:rPr lang="en-US" smtClean="0"/>
-              <a:t>4/26/2016</a:t>
+              <a:t>4/28/2016</a:t>
             </a:fld>
             <a:endParaRPr lang="en-US"/>
           </a:p>
@@ -1613,7 +1613,7 @@
           <a:p>
             <a:fld id="{FC8F30E8-AD3E-4545-A998-9EA3FC67FD6E}" type="datetimeFigureOut">
               <a:rPr lang="en-US" smtClean="0"/>
-              <a:t>4/26/2016</a:t>
+              <a:t>4/28/2016</a:t>
             </a:fld>
             <a:endParaRPr lang="en-US"/>
           </a:p>
@@ -1731,7 +1731,7 @@
           <a:p>
             <a:fld id="{FC8F30E8-AD3E-4545-A998-9EA3FC67FD6E}" type="datetimeFigureOut">
               <a:rPr lang="en-US" smtClean="0"/>
-              <a:t>4/26/2016</a:t>
+              <a:t>4/28/2016</a:t>
             </a:fld>
             <a:endParaRPr lang="en-US"/>
           </a:p>
@@ -1826,7 +1826,7 @@
           <a:p>
             <a:fld id="{FC8F30E8-AD3E-4545-A998-9EA3FC67FD6E}" type="datetimeFigureOut">
               <a:rPr lang="en-US" smtClean="0"/>
-              <a:t>4/26/2016</a:t>
+              <a:t>4/28/2016</a:t>
             </a:fld>
             <a:endParaRPr lang="en-US"/>
           </a:p>
@@ -2103,7 +2103,7 @@
           <a:p>
             <a:fld id="{FC8F30E8-AD3E-4545-A998-9EA3FC67FD6E}" type="datetimeFigureOut">
               <a:rPr lang="en-US" smtClean="0"/>
-              <a:t>4/26/2016</a:t>
+              <a:t>4/28/2016</a:t>
             </a:fld>
             <a:endParaRPr lang="en-US"/>
           </a:p>
@@ -2356,7 +2356,7 @@
           <a:p>
             <a:fld id="{FC8F30E8-AD3E-4545-A998-9EA3FC67FD6E}" type="datetimeFigureOut">
               <a:rPr lang="en-US" smtClean="0"/>
-              <a:t>4/26/2016</a:t>
+              <a:t>4/28/2016</a:t>
             </a:fld>
             <a:endParaRPr lang="en-US"/>
           </a:p>
@@ -2569,7 +2569,7 @@
           <a:p>
             <a:fld id="{FC8F30E8-AD3E-4545-A998-9EA3FC67FD6E}" type="datetimeFigureOut">
               <a:rPr lang="en-US" smtClean="0"/>
-              <a:t>4/26/2016</a:t>
+              <a:t>4/28/2016</a:t>
             </a:fld>
             <a:endParaRPr lang="en-US"/>
           </a:p>
@@ -3232,7 +3232,7 @@
       </p:sp>
       <p:pic>
         <p:nvPicPr>
-          <p:cNvPr id="5" name="Picture 4"/>
+          <p:cNvPr id="4" name="Picture 3"/>
           <p:cNvPicPr>
             <a:picLocks noChangeAspect="1"/>
           </p:cNvPicPr>
@@ -3257,7 +3257,7 @@
         <p:spPr>
           <a:xfrm>
             <a:off x="2540000" y="2540000"/>
-            <a:ext cx="5953828" cy="843886"/>
+            <a:ext cx="5953829" cy="843886"/>
           </a:xfrm>
           <a:prstGeom prst="rect">
             <a:avLst/>
@@ -3341,7 +3341,7 @@
       </p:sp>
       <p:pic>
         <p:nvPicPr>
-          <p:cNvPr id="4" name="Picture 3"/>
+          <p:cNvPr id="5" name="Picture 4"/>
           <p:cNvPicPr>
             <a:picLocks noChangeAspect="1"/>
           </p:cNvPicPr>
@@ -3627,7 +3627,7 @@
   <p:tag name="ORIGINALHEIGHT" val="692.1635"/>
   <p:tag name="ORIGINALWIDTH" val="4883.39"/>
   <p:tag name="OUTPUTDPI" val="1200"/>
-  <p:tag name="LATEXADDIN" val="\documentclass{article}&#10;\usepackage{amsmath}&#10;\pagestyle{empty}&#10;\begin{document}&#10;&#10;&#10;\begin{equation*} \label{corLBB}&#10;corr^{LagBid}_{tI} = \frac{\sum\limits_{i=2}^{n} \left(bid_{t(i-1)}^N - \overline{bid_t^N}\right) \left(bid_{ti}^D - \overline{bid_t^D}\right)}{\sqrt{\sum\limits_{i=1}^{n} \left(bid_{t(i-1)}^N - \overline{bid_t^N}\right)^2 \sum\limits_{i=1}^{n}\left(bid_{ti}^D - \overline{bid_t^D}\right)^2}} \: \textrm{such that} \: {bid_{t(i-1)}^N \: \textrm{and} \: bid_{ti}^D} \neq 0&#10;\end{equation*}&#10;&#10;&#10;\end{document}"/>
+  <p:tag name="LATEXADDIN" val="\documentclass{article}&#10;\usepackage{amsmath}&#10;\pagestyle{empty}&#10;\begin{document}&#10;&#10;&#10;\begin{equation*} \label{corLBB}&#10;corr^{LagBid}_{tI} = \frac{\sum\limits_{i=2}^{n} \left(bid_{t(i-1)}^N - \overline{bid_t^N}\right) \left(bid_{ti}^D - \overline{bid_t^D}\right)}{\sqrt{\sum\limits_{i=2}^{n} \left(bid_{t(i-1)}^N - \overline{bid_t^N}\right)^2 \sum\limits_{i=2}^{n}\left(bid_{ti}^D - \overline{bid_t^D}\right)^2}} \: \textrm{such that} \: {bid_{t(i-1)}^N \: \textrm{and} \: bid_{ti}^D} \neq 0&#10;\end{equation*}&#10;&#10;&#10;\end{document}"/>
   <p:tag name="IGUANATEXSIZE" val="12"/>
   <p:tag name="IGUANATEXCURSOR" val="501"/>
   <p:tag name="TRANSPARENCY" val="True"/>
@@ -3643,9 +3643,9 @@
   <p:tag name="ORIGINALHEIGHT" val="908.1365"/>
   <p:tag name="ORIGINALWIDTH" val="3967.004"/>
   <p:tag name="OUTPUTDPI" val="1200"/>
-  <p:tag name="LATEXADDIN" val="\documentclass{article}&#10;\usepackage{amsmath}&#10;\pagestyle{empty}&#10;\begin{document}&#10;&#10;&#10;\begin{equation*} \label{corLOO}&#10;\begin{split}&#10;&amp; corr^{LagOffer}_{tI}  = \frac{\sum\limits_{i=1}^{n} \left(offer_{t(i-1)}^N - \overline{offer_t^N}\right) \left(offer_{ti}^D - \overline{offer_t^D}\right)}{\sqrt{\sum\limits_{i=1}^{n} \left(offer_{t(i-1)}^N - \overline{offer_t^N}\right)^2 \sum\limits_{i=1}^{n}\left(offer_{ti}^D - \overline{offer_t^D}\right)^2}} \\&#10;&amp; \textrm{such that} \: {offer_{t(i-1)}^N \: \textrm{and} \: offer_{ti}^D} \neq 0&#10;\end{split}&#10;\end{equation*}&#10;&#10;\end{document}"/>
+  <p:tag name="LATEXADDIN" val="\documentclass{article}&#10;\usepackage{amsmath}&#10;\pagestyle{empty}&#10;\begin{document}&#10;&#10;\begin{equation*} \label{corLOO}&#10;\begin{split}&#10;&amp; corr^{LagOffer}_{tI}  = \frac{\sum\limits_{i=2}^{n} \left(offer_{t(i-1)}^N - \overline{offer_t^N}\right) \left(offer_{ti}^D - \overline{offer_t^D}\right)}{\sqrt{\sum\limits_{i=2}^{n} \left(offer_{t(i-1)}^N - \overline{offer_t^N}\right)^2 \sum\limits_{i=2}^{n}\left(offer_{ti}^D - \overline{offer_t^D}\right)^2}} \\&#10;&amp; \textrm{such that} \: {offer_{t(i-1)}^N \: \textrm{and} \: offer_{ti}^D} \neq 0&#10;\end{split}&#10;\end{equation*}&#10;&#10;&#10;&#10;\end{document}"/>
   <p:tag name="IGUANATEXSIZE" val="12"/>
-  <p:tag name="IGUANATEXCURSOR" val="554"/>
+  <p:tag name="IGUANATEXCURSOR" val="553"/>
   <p:tag name="TRANSPARENCY" val="True"/>
   <p:tag name="FILENAME" val=""/>
   <p:tag name="INPUTTYPE" val="0"/>

--- a/iguana-tex-equations/IguanaTex.pptx
+++ b/iguana-tex-equations/IguanaTex.pptx
@@ -248,7 +248,7 @@
           <a:p>
             <a:fld id="{FC8F30E8-AD3E-4545-A998-9EA3FC67FD6E}" type="datetimeFigureOut">
               <a:rPr lang="en-US" smtClean="0"/>
-              <a:t>4/28/2016</a:t>
+              <a:t>5/10/2016</a:t>
             </a:fld>
             <a:endParaRPr lang="en-US"/>
           </a:p>
@@ -418,7 +418,7 @@
           <a:p>
             <a:fld id="{FC8F30E8-AD3E-4545-A998-9EA3FC67FD6E}" type="datetimeFigureOut">
               <a:rPr lang="en-US" smtClean="0"/>
-              <a:t>4/28/2016</a:t>
+              <a:t>5/10/2016</a:t>
             </a:fld>
             <a:endParaRPr lang="en-US"/>
           </a:p>
@@ -598,7 +598,7 @@
           <a:p>
             <a:fld id="{FC8F30E8-AD3E-4545-A998-9EA3FC67FD6E}" type="datetimeFigureOut">
               <a:rPr lang="en-US" smtClean="0"/>
-              <a:t>4/28/2016</a:t>
+              <a:t>5/10/2016</a:t>
             </a:fld>
             <a:endParaRPr lang="en-US"/>
           </a:p>
@@ -768,7 +768,7 @@
           <a:p>
             <a:fld id="{FC8F30E8-AD3E-4545-A998-9EA3FC67FD6E}" type="datetimeFigureOut">
               <a:rPr lang="en-US" smtClean="0"/>
-              <a:t>4/28/2016</a:t>
+              <a:t>5/10/2016</a:t>
             </a:fld>
             <a:endParaRPr lang="en-US"/>
           </a:p>
@@ -1014,7 +1014,7 @@
           <a:p>
             <a:fld id="{FC8F30E8-AD3E-4545-A998-9EA3FC67FD6E}" type="datetimeFigureOut">
               <a:rPr lang="en-US" smtClean="0"/>
-              <a:t>4/28/2016</a:t>
+              <a:t>5/10/2016</a:t>
             </a:fld>
             <a:endParaRPr lang="en-US"/>
           </a:p>
@@ -1246,7 +1246,7 @@
           <a:p>
             <a:fld id="{FC8F30E8-AD3E-4545-A998-9EA3FC67FD6E}" type="datetimeFigureOut">
               <a:rPr lang="en-US" smtClean="0"/>
-              <a:t>4/28/2016</a:t>
+              <a:t>5/10/2016</a:t>
             </a:fld>
             <a:endParaRPr lang="en-US"/>
           </a:p>
@@ -1613,7 +1613,7 @@
           <a:p>
             <a:fld id="{FC8F30E8-AD3E-4545-A998-9EA3FC67FD6E}" type="datetimeFigureOut">
               <a:rPr lang="en-US" smtClean="0"/>
-              <a:t>4/28/2016</a:t>
+              <a:t>5/10/2016</a:t>
             </a:fld>
             <a:endParaRPr lang="en-US"/>
           </a:p>
@@ -1731,7 +1731,7 @@
           <a:p>
             <a:fld id="{FC8F30E8-AD3E-4545-A998-9EA3FC67FD6E}" type="datetimeFigureOut">
               <a:rPr lang="en-US" smtClean="0"/>
-              <a:t>4/28/2016</a:t>
+              <a:t>5/10/2016</a:t>
             </a:fld>
             <a:endParaRPr lang="en-US"/>
           </a:p>
@@ -1826,7 +1826,7 @@
           <a:p>
             <a:fld id="{FC8F30E8-AD3E-4545-A998-9EA3FC67FD6E}" type="datetimeFigureOut">
               <a:rPr lang="en-US" smtClean="0"/>
-              <a:t>4/28/2016</a:t>
+              <a:t>5/10/2016</a:t>
             </a:fld>
             <a:endParaRPr lang="en-US"/>
           </a:p>
@@ -2103,7 +2103,7 @@
           <a:p>
             <a:fld id="{FC8F30E8-AD3E-4545-A998-9EA3FC67FD6E}" type="datetimeFigureOut">
               <a:rPr lang="en-US" smtClean="0"/>
-              <a:t>4/28/2016</a:t>
+              <a:t>5/10/2016</a:t>
             </a:fld>
             <a:endParaRPr lang="en-US"/>
           </a:p>
@@ -2356,7 +2356,7 @@
           <a:p>
             <a:fld id="{FC8F30E8-AD3E-4545-A998-9EA3FC67FD6E}" type="datetimeFigureOut">
               <a:rPr lang="en-US" smtClean="0"/>
-              <a:t>4/28/2016</a:t>
+              <a:t>5/10/2016</a:t>
             </a:fld>
             <a:endParaRPr lang="en-US"/>
           </a:p>
@@ -2569,7 +2569,7 @@
           <a:p>
             <a:fld id="{FC8F30E8-AD3E-4545-A998-9EA3FC67FD6E}" type="datetimeFigureOut">
               <a:rPr lang="en-US" smtClean="0"/>
-              <a:t>4/28/2016</a:t>
+              <a:t>5/10/2016</a:t>
             </a:fld>
             <a:endParaRPr lang="en-US"/>
           </a:p>
@@ -3014,7 +3014,7 @@
       </p:sp>
       <p:pic>
         <p:nvPicPr>
-          <p:cNvPr id="7" name="Picture 6"/>
+          <p:cNvPr id="5" name="Picture 4"/>
           <p:cNvPicPr>
             <a:picLocks noChangeAspect="1"/>
           </p:cNvPicPr>
@@ -3039,7 +3039,7 @@
         <p:spPr>
           <a:xfrm>
             <a:off x="2540000" y="2539999"/>
-            <a:ext cx="5225143" cy="843886"/>
+            <a:ext cx="5225143" cy="1010286"/>
           </a:xfrm>
           <a:prstGeom prst="rect">
             <a:avLst/>
@@ -3123,7 +3123,7 @@
       </p:sp>
       <p:pic>
         <p:nvPicPr>
-          <p:cNvPr id="6" name="Picture 5"/>
+          <p:cNvPr id="4" name="Picture 3"/>
           <p:cNvPicPr>
             <a:picLocks noChangeAspect="1"/>
           </p:cNvPicPr>
@@ -3147,8 +3147,8 @@
         </p:blipFill>
         <p:spPr>
           <a:xfrm>
-            <a:off x="2540001" y="2540000"/>
-            <a:ext cx="4397715" cy="1077943"/>
+            <a:off x="2540002" y="2540000"/>
+            <a:ext cx="4808229" cy="1077943"/>
           </a:xfrm>
           <a:prstGeom prst="rect">
             <a:avLst/>
@@ -3232,7 +3232,7 @@
       </p:sp>
       <p:pic>
         <p:nvPicPr>
-          <p:cNvPr id="4" name="Picture 3"/>
+          <p:cNvPr id="5" name="Picture 4"/>
           <p:cNvPicPr>
             <a:picLocks noChangeAspect="1"/>
           </p:cNvPicPr>
@@ -3257,7 +3257,7 @@
         <p:spPr>
           <a:xfrm>
             <a:off x="2540000" y="2540000"/>
-            <a:ext cx="5953829" cy="843886"/>
+            <a:ext cx="5953828" cy="1010286"/>
           </a:xfrm>
           <a:prstGeom prst="rect">
             <a:avLst/>
@@ -3341,7 +3341,7 @@
       </p:sp>
       <p:pic>
         <p:nvPicPr>
-          <p:cNvPr id="5" name="Picture 4"/>
+          <p:cNvPr id="4" name="Picture 3"/>
           <p:cNvPicPr>
             <a:picLocks noChangeAspect="1"/>
           </p:cNvPicPr>
@@ -3365,8 +3365,8 @@
         </p:blipFill>
         <p:spPr>
           <a:xfrm>
-            <a:off x="2540001" y="2540000"/>
-            <a:ext cx="4836571" cy="1107200"/>
+            <a:off x="2540002" y="2540000"/>
+            <a:ext cx="5125485" cy="1107200"/>
           </a:xfrm>
           <a:prstGeom prst="rect">
             <a:avLst/>
@@ -3383,6 +3383,13 @@
   <p:clrMapOvr>
     <a:masterClrMapping/>
   </p:clrMapOvr>
+  <p:timing>
+    <p:tnLst>
+      <p:par>
+        <p:cTn id="1" dur="indefinite" restart="never" nodeType="tmRoot"/>
+      </p:par>
+    </p:tnLst>
+  </p:timing>
 </p:sld>
 </file>
 
@@ -3443,7 +3450,7 @@
       </p:sp>
       <p:pic>
         <p:nvPicPr>
-          <p:cNvPr id="4" name="Picture 3"/>
+          <p:cNvPr id="6" name="Picture 5"/>
           <p:cNvPicPr>
             <a:picLocks noChangeAspect="1"/>
           </p:cNvPicPr>
@@ -3467,8 +3474,8 @@
         </p:blipFill>
         <p:spPr>
           <a:xfrm>
-            <a:off x="2540000" y="2539999"/>
-            <a:ext cx="6548114" cy="843886"/>
+            <a:off x="2540000" y="2539998"/>
+            <a:ext cx="6548116" cy="1010286"/>
           </a:xfrm>
           <a:prstGeom prst="rect">
             <a:avLst/>
@@ -3485,6 +3492,13 @@
   <p:clrMapOvr>
     <a:masterClrMapping/>
   </p:clrMapOvr>
+  <p:timing>
+    <p:tnLst>
+      <p:par>
+        <p:cTn id="1" dur="indefinite" restart="never" nodeType="tmRoot"/>
+      </p:par>
+    </p:tnLst>
+  </p:timing>
 </p:sld>
 </file>
 
@@ -3545,7 +3559,7 @@
       </p:sp>
       <p:pic>
         <p:nvPicPr>
-          <p:cNvPr id="4" name="Picture 3"/>
+          <p:cNvPr id="6" name="Picture 5"/>
           <p:cNvPicPr>
             <a:picLocks noChangeAspect="1"/>
           </p:cNvPicPr>
@@ -3570,7 +3584,7 @@
         <p:spPr>
           <a:xfrm>
             <a:off x="2540000" y="2540000"/>
-            <a:ext cx="6539886" cy="843886"/>
+            <a:ext cx="6539885" cy="1010286"/>
           </a:xfrm>
           <a:prstGeom prst="rect">
             <a:avLst/>
@@ -3587,17 +3601,24 @@
   <p:clrMapOvr>
     <a:masterClrMapping/>
   </p:clrMapOvr>
+  <p:timing>
+    <p:tnLst>
+      <p:par>
+        <p:cTn id="1" dur="indefinite" restart="never" nodeType="tmRoot"/>
+      </p:par>
+    </p:tnLst>
+  </p:timing>
 </p:sld>
 </file>
 
 <file path=ppt/tags/tag1.xml><?xml version="1.0" encoding="utf-8"?>
 <p:tagLst xmlns:a="http://schemas.openxmlformats.org/drawingml/2006/main" xmlns:r="http://schemas.openxmlformats.org/officeDocument/2006/relationships" xmlns:p="http://schemas.openxmlformats.org/presentationml/2006/main">
-  <p:tag name="ORIGINALHEIGHT" val="692.1635"/>
+  <p:tag name="ORIGINALHEIGHT" val="828.6464"/>
   <p:tag name="ORIGINALWIDTH" val="4285.714"/>
   <p:tag name="OUTPUTDPI" val="1200"/>
-  <p:tag name="LATEXADDIN" val="\documentclass{article}&#10;\usepackage{amsmath}&#10;\pagestyle{empty}&#10;\begin{document}&#10;&#10;\begin{equation*} \label{corBB} &#10;corr^{Bid}_{tI} = \frac{\sum\limits_{i=1}^{n} \left(bid_{ti}^N - \overline{bid_t^N}\right) \left(bid_{ti}^D - \overline{bid_t^D}\right)}{\sqrt{\sum\limits_{i=1}^{n} \left(bid_{ti}^N - \overline{bid_t^N}\right)^2 \sum\limits_{i=1}^{n}\left(bid_{ti}^D - \overline{bid_t^D}\right)^2}} \: \textrm{such that} \: bid_{ti}^N \: \textrm{and} \: bid_{ti}^D \neq 0&#10;\end{equation*} &#10;&#10;&#10;&#10;\end{document}"/>
+  <p:tag name="LATEXADDIN" val="\documentclass{article}&#10;\usepackage{amsmath}&#10;\pagestyle{empty}&#10;\begin{document}&#10;&#10;\begin{equation*} \tag{1} &#10;corr^{Bid}_{tI} = \frac{\sum\limits_{i=1}^{n} \left(bid_{ti}^N - \overline{bid_t^N}\right) \left(bid_{ti}^D - \overline{bid_t^D}\right)}{\sqrt{\sum\limits_{i=1}^{n} \left(bid_{ti}^N - \overline{bid_t^N}\right)^2 \sum\limits_{i=1}^{n}\left(bid_{ti}^D - \overline{bid_t^D}\right)^2}} \: \textrm{such that} \: bid_{ti}^N \: \textrm{and} \: bid_{ti}^D \neq 0&#10;\end{equation*} &#10;&#10;&#10;&#10;\end{document}"/>
   <p:tag name="IGUANATEXSIZE" val="12"/>
-  <p:tag name="IGUANATEXCURSOR" val="97"/>
+  <p:tag name="IGUANATEXCURSOR" val="105"/>
   <p:tag name="TRANSPARENCY" val="True"/>
   <p:tag name="FILENAME" val=""/>
   <p:tag name="INPUTTYPE" val="0"/>
@@ -3609,11 +3630,11 @@
 <file path=ppt/tags/tag2.xml><?xml version="1.0" encoding="utf-8"?>
 <p:tagLst xmlns:a="http://schemas.openxmlformats.org/drawingml/2006/main" xmlns:r="http://schemas.openxmlformats.org/officeDocument/2006/relationships" xmlns:p="http://schemas.openxmlformats.org/presentationml/2006/main">
   <p:tag name="ORIGINALHEIGHT" val="884.1395"/>
-  <p:tag name="ORIGINALWIDTH" val="3607.049"/>
+  <p:tag name="ORIGINALWIDTH" val="3943.757"/>
   <p:tag name="OUTPUTDPI" val="1200"/>
-  <p:tag name="LATEXADDIN" val="\documentclass{article}&#10;\usepackage{amsmath}&#10;\pagestyle{empty}&#10;\begin{document}&#10;&#10;&#10;\begin{equation*} \label{corOO}&#10;\begin{split}&#10;&amp; corr^{Offer}_{tI} = \frac{\sum\limits_{i=1}^{n} \left(offer_{ti}^N - \overline{offer_t^N}\right) \left(offer_{ti}^D - \overline{offer_t^D}\right)}{\sqrt{\sum\limits_{i=1}^{n} \left(offer_{ti}^N - \overline{offer_t^N}\right)^2 \sum\limits_{i=1}^{n}\left(offer_{ti}^D - \overline{offer_t^D}\right)^2}} \\&#10;&amp; \textrm{such that} \: {offer_{ti}^N \: \textrm{and} \: offer_{ti}^D} \neq 0 &#10;\end{split}&#10;\end{equation*}&#10;&#10;&#10;\end{document}"/>
+  <p:tag name="LATEXADDIN" val="\documentclass{article}&#10;\usepackage{amsmath}&#10;\pagestyle{empty}&#10;\begin{document}&#10;&#10;&#10;\begin{equation*} \tag{2}&#10;\begin{split}&#10;&amp; corr^{Offer}_{tI} = \frac{\sum\limits_{i=1}^{n} \left(offer_{ti}^N - \overline{offer_t^N}\right) \left(offer_{ti}^D - \overline{offer_t^D}\right)}{\sqrt{\sum\limits_{i=1}^{n} \left(offer_{ti}^N - \overline{offer_t^N}\right)^2 \sum\limits_{i=1}^{n}\left(offer_{ti}^D - \overline{offer_t^D}\right)^2}} \\&#10;&amp; \textrm{such that} \: {offer_{ti}^N \: \textrm{and} \: offer_{ti}^D} \neq 0 &#10;\end{split}&#10;\end{equation*}&#10;&#10;&#10;\end{document}"/>
   <p:tag name="IGUANATEXSIZE" val="12"/>
-  <p:tag name="IGUANATEXCURSOR" val="538"/>
+  <p:tag name="IGUANATEXCURSOR" val="106"/>
   <p:tag name="TRANSPARENCY" val="True"/>
   <p:tag name="FILENAME" val=""/>
   <p:tag name="INPUTTYPE" val="0"/>
@@ -3624,12 +3645,12 @@
 
 <file path=ppt/tags/tag3.xml><?xml version="1.0" encoding="utf-8"?>
 <p:tagLst xmlns:a="http://schemas.openxmlformats.org/drawingml/2006/main" xmlns:r="http://schemas.openxmlformats.org/officeDocument/2006/relationships" xmlns:p="http://schemas.openxmlformats.org/presentationml/2006/main">
-  <p:tag name="ORIGINALHEIGHT" val="692.1635"/>
+  <p:tag name="ORIGINALHEIGHT" val="828.6464"/>
   <p:tag name="ORIGINALWIDTH" val="4883.39"/>
   <p:tag name="OUTPUTDPI" val="1200"/>
-  <p:tag name="LATEXADDIN" val="\documentclass{article}&#10;\usepackage{amsmath}&#10;\pagestyle{empty}&#10;\begin{document}&#10;&#10;&#10;\begin{equation*} \label{corLBB}&#10;corr^{LagBid}_{tI} = \frac{\sum\limits_{i=2}^{n} \left(bid_{t(i-1)}^N - \overline{bid_t^N}\right) \left(bid_{ti}^D - \overline{bid_t^D}\right)}{\sqrt{\sum\limits_{i=2}^{n} \left(bid_{t(i-1)}^N - \overline{bid_t^N}\right)^2 \sum\limits_{i=2}^{n}\left(bid_{ti}^D - \overline{bid_t^D}\right)^2}} \: \textrm{such that} \: {bid_{t(i-1)}^N \: \textrm{and} \: bid_{ti}^D} \neq 0&#10;\end{equation*}&#10;&#10;&#10;\end{document}"/>
+  <p:tag name="LATEXADDIN" val="\documentclass{article}&#10;\usepackage{amsmath}&#10;\pagestyle{empty}&#10;\begin{document}&#10;&#10;&#10;\begin{equation*} \tag{3}&#10;corr^{LagBid}_{tI} = \frac{\sum\limits_{i=2}^{n} \left(bid_{t(i-1)}^N - \overline{bid_t^N}\right) \left(bid_{ti}^D - \overline{bid_t^D}\right)}{\sqrt{\sum\limits_{i=2}^{n} \left(bid_{t(i-1)}^N - \overline{bid_t^N}\right)^2 \sum\limits_{i=2}^{n}\left(bid_{ti}^D - \overline{bid_t^D}\right)^2}} \: \textrm{such that} \: {bid_{t(i-1)}^N \: \textrm{and} \: bid_{ti}^D} \neq 0&#10;\end{equation*}&#10;&#10;&#10;\end{document}"/>
   <p:tag name="IGUANATEXSIZE" val="12"/>
-  <p:tag name="IGUANATEXCURSOR" val="501"/>
+  <p:tag name="IGUANATEXCURSOR" val="106"/>
   <p:tag name="TRANSPARENCY" val="True"/>
   <p:tag name="FILENAME" val=""/>
   <p:tag name="INPUTTYPE" val="0"/>
@@ -3641,11 +3662,11 @@
 <file path=ppt/tags/tag4.xml><?xml version="1.0" encoding="utf-8"?>
 <p:tagLst xmlns:a="http://schemas.openxmlformats.org/drawingml/2006/main" xmlns:r="http://schemas.openxmlformats.org/officeDocument/2006/relationships" xmlns:p="http://schemas.openxmlformats.org/presentationml/2006/main">
   <p:tag name="ORIGINALHEIGHT" val="908.1365"/>
-  <p:tag name="ORIGINALWIDTH" val="3967.004"/>
+  <p:tag name="ORIGINALWIDTH" val="4203.975"/>
   <p:tag name="OUTPUTDPI" val="1200"/>
-  <p:tag name="LATEXADDIN" val="\documentclass{article}&#10;\usepackage{amsmath}&#10;\pagestyle{empty}&#10;\begin{document}&#10;&#10;\begin{equation*} \label{corLOO}&#10;\begin{split}&#10;&amp; corr^{LagOffer}_{tI}  = \frac{\sum\limits_{i=2}^{n} \left(offer_{t(i-1)}^N - \overline{offer_t^N}\right) \left(offer_{ti}^D - \overline{offer_t^D}\right)}{\sqrt{\sum\limits_{i=2}^{n} \left(offer_{t(i-1)}^N - \overline{offer_t^N}\right)^2 \sum\limits_{i=2}^{n}\left(offer_{ti}^D - \overline{offer_t^D}\right)^2}} \\&#10;&amp; \textrm{such that} \: {offer_{t(i-1)}^N \: \textrm{and} \: offer_{ti}^D} \neq 0&#10;\end{split}&#10;\end{equation*}&#10;&#10;&#10;&#10;\end{document}"/>
+  <p:tag name="LATEXADDIN" val="\documentclass{article}&#10;\usepackage{amsmath}&#10;\pagestyle{empty}&#10;\begin{document}&#10;&#10;\begin{equation*} \tag{4}&#10;\begin{split}&#10;&amp; corr^{LagOffer}_{tI}  = \frac{\sum\limits_{i=2}^{n} \left(offer_{t(i-1)}^N - \overline{offer_t^N}\right) \left(offer_{ti}^D - \overline{offer_t^D}\right)}{\sqrt{\sum\limits_{i=2}^{n} \left(offer_{t(i-1)}^N - \overline{offer_t^N}\right)^2 \sum\limits_{i=2}^{n}\left(offer_{ti}^D - \overline{offer_t^D}\right)^2}} \\&#10;&amp; \textrm{such that} \: {offer_{t(i-1)}^N \: \textrm{and} \: offer_{ti}^D} \neq 0&#10;\end{split}&#10;\end{equation*}&#10;&#10;&#10;&#10;\end{document}"/>
   <p:tag name="IGUANATEXSIZE" val="12"/>
-  <p:tag name="IGUANATEXCURSOR" val="553"/>
+  <p:tag name="IGUANATEXCURSOR" val="105"/>
   <p:tag name="TRANSPARENCY" val="True"/>
   <p:tag name="FILENAME" val=""/>
   <p:tag name="INPUTTYPE" val="0"/>
@@ -3656,12 +3677,12 @@
 
 <file path=ppt/tags/tag5.xml><?xml version="1.0" encoding="utf-8"?>
 <p:tagLst xmlns:a="http://schemas.openxmlformats.org/drawingml/2006/main" xmlns:r="http://schemas.openxmlformats.org/officeDocument/2006/relationships" xmlns:p="http://schemas.openxmlformats.org/presentationml/2006/main">
-  <p:tag name="ORIGINALHEIGHT" val="692.1635"/>
+  <p:tag name="ORIGINALHEIGHT" val="828.6464"/>
   <p:tag name="ORIGINALWIDTH" val="5370.828"/>
   <p:tag name="OUTPUTDPI" val="1200"/>
-  <p:tag name="LATEXADDIN" val="\documentclass{article}&#10;\usepackage{amsmath}&#10;\pagestyle{empty}&#10;\begin{document}&#10;&#10;\begin{equation*} \label{corrLBO}&#10;corr^{LagBO}_{tI} = \frac{\sum\limits_{i=1}^{n} \left(bid_{t(i-1)}^N - \overline{bid_t^N}\right) \left(offer_{ti}^D - \overline{offer_t^D}\right)}{\sqrt{\sum\limits_{i=1}^{n} \left(bid_{t(i-1)}^N - \overline{bid_t^N}\right)^2 \sum\limits_{i=1}^{n}\left(offer_{ti}^D - \overline{offer_t^D}\right)^2}} \: \textrm{such that} \: {bid_{t(i-1)}^N \: \textrm{and} \: offer_{ti}^D} \neq 0&#10;\end{equation*}&#10;&#10;&#10;\end{document}"/>
+  <p:tag name="LATEXADDIN" val="\documentclass{article}&#10;\usepackage{amsmath}&#10;\pagestyle{empty}&#10;\begin{document}&#10;&#10;\begin{equation*} \tag{5}&#10;corr^{LagBO}_{tI} = \frac{\sum\limits_{i=2}^{n} \left(bid_{t(i-1)}^N - \overline{bid_t^N}\right) \left(offer_{ti}^D - \overline{offer_t^D}\right)}{\sqrt{\sum\limits_{i=2}^{n} \left(bid_{t(i-1)}^N - \overline{bid_t^N}\right)^2 \sum\limits_{i=2}^{n}\left(offer_{ti}^D - \overline{offer_t^D}\right)^2}} \: \textrm{such that} \: {bid_{t(i-1)}^N \: \textrm{and} \: offer_{ti}^D} \neq 0&#10;\end{equation*}&#10;&#10;&#10;\end{document}"/>
   <p:tag name="IGUANATEXSIZE" val="12"/>
-  <p:tag name="IGUANATEXCURSOR" val="510"/>
+  <p:tag name="IGUANATEXCURSOR" val="105"/>
   <p:tag name="TRANSPARENCY" val="True"/>
   <p:tag name="FILENAME" val=""/>
   <p:tag name="INPUTTYPE" val="0"/>
@@ -3672,12 +3693,12 @@
 
 <file path=ppt/tags/tag6.xml><?xml version="1.0" encoding="utf-8"?>
 <p:tagLst xmlns:a="http://schemas.openxmlformats.org/drawingml/2006/main" xmlns:r="http://schemas.openxmlformats.org/officeDocument/2006/relationships" xmlns:p="http://schemas.openxmlformats.org/presentationml/2006/main">
-  <p:tag name="ORIGINALHEIGHT" val="692.1635"/>
+  <p:tag name="ORIGINALHEIGHT" val="828.6464"/>
   <p:tag name="ORIGINALWIDTH" val="5364.08"/>
   <p:tag name="OUTPUTDPI" val="1200"/>
-  <p:tag name="LATEXADDIN" val="\documentclass{article}&#10;\usepackage{amsmath}&#10;\pagestyle{empty}&#10;\begin{document}&#10;&#10;\begin{equation*} \label{corrLOB}&#10;corr^{LagOB}_{tI} = \frac{\sum\limits_{i=1}^{n} \left(offer_{t(i-1)}^N - \overline{offer_t^N}\right) \left(bid_{ti}^D - \overline{bid_t^D}\right)}{\sqrt{\sum\limits_{i=1}^{n} \left(offer_{t(i-1)}^N - \overline{offer_t^N}\right)^2 \sum\limits_{i=1}^{n}\left(bid_{ti}^D - \overline{bid_t^D}\right)^2}} \: \textrm{such that} \: {offer_{t(i-1)}^N \: \textrm{and} \: bid_{ti}^D} \neq 0&#10;\end{equation*}&#10;&#10;&#10;\end{document}"/>
+  <p:tag name="LATEXADDIN" val="\documentclass{article}&#10;\usepackage{amsmath}&#10;\pagestyle{empty}&#10;\begin{document}&#10;&#10;\begin{equation*} \tag{6}&#10;corr^{LagOB}_{tI} = \frac{\sum\limits_{i=2}^{n} \left(offer_{t(i-1)}^N - \overline{offer_t^N}\right) \left(bid_{ti}^D - \overline{bid_t^D}\right)}{\sqrt{\sum\limits_{i=2}^{n} \left(offer_{t(i-1)}^N - \overline{offer_t^N}\right)^2 \sum\limits_{i=2}^{n}\left(bid_{ti}^D - \overline{bid_t^D}\right)^2}} \: \textrm{such that} \: {offer_{t(i-1)}^N \: \textrm{and} \: bid_{ti}^D} \neq 0&#10;\end{equation*}&#10;&#10;&#10;\end{document}"/>
   <p:tag name="IGUANATEXSIZE" val="12"/>
-  <p:tag name="IGUANATEXCURSOR" val="510"/>
+  <p:tag name="IGUANATEXCURSOR" val="105"/>
   <p:tag name="TRANSPARENCY" val="True"/>
   <p:tag name="FILENAME" val=""/>
   <p:tag name="INPUTTYPE" val="0"/>
